--- a/Report.pptx
+++ b/Report.pptx
@@ -310,7 +310,7 @@
           <a:p>
             <a:fld id="{3FE31C51-9D09-D94B-977A-B3A9E0CE92F4}" type="datetimeFigureOut">
               <a:rPr lang="en-US" smtClean="0"/>
-              <a:t>10/29/2018</a:t>
+              <a:t>10/30/2018</a:t>
             </a:fld>
             <a:endParaRPr lang="en-US"/>
           </a:p>
@@ -475,7 +475,7 @@
           <a:p>
             <a:fld id="{3FE31C51-9D09-D94B-977A-B3A9E0CE92F4}" type="datetimeFigureOut">
               <a:rPr lang="en-US" smtClean="0"/>
-              <a:t>10/29/2018</a:t>
+              <a:t>10/30/2018</a:t>
             </a:fld>
             <a:endParaRPr lang="en-US"/>
           </a:p>
@@ -650,7 +650,7 @@
           <a:p>
             <a:fld id="{3FE31C51-9D09-D94B-977A-B3A9E0CE92F4}" type="datetimeFigureOut">
               <a:rPr lang="en-US" smtClean="0"/>
-              <a:t>10/29/2018</a:t>
+              <a:t>10/30/2018</a:t>
             </a:fld>
             <a:endParaRPr lang="en-US"/>
           </a:p>
@@ -833,7 +833,7 @@
           <a:p>
             <a:fld id="{3FE31C51-9D09-D94B-977A-B3A9E0CE92F4}" type="datetimeFigureOut">
               <a:rPr lang="en-US" smtClean="0"/>
-              <a:t>10/29/2018</a:t>
+              <a:t>10/30/2018</a:t>
             </a:fld>
             <a:endParaRPr lang="en-US"/>
           </a:p>
@@ -1095,7 +1095,7 @@
           <a:p>
             <a:fld id="{3FE31C51-9D09-D94B-977A-B3A9E0CE92F4}" type="datetimeFigureOut">
               <a:rPr lang="en-US" smtClean="0"/>
-              <a:t>10/29/2018</a:t>
+              <a:t>10/30/2018</a:t>
             </a:fld>
             <a:endParaRPr lang="en-US"/>
           </a:p>
@@ -1443,7 +1443,7 @@
           <a:p>
             <a:fld id="{3FE31C51-9D09-D94B-977A-B3A9E0CE92F4}" type="datetimeFigureOut">
               <a:rPr lang="en-US" smtClean="0"/>
-              <a:t>10/29/2018</a:t>
+              <a:t>10/30/2018</a:t>
             </a:fld>
             <a:endParaRPr lang="en-US"/>
           </a:p>
@@ -1751,7 +1751,7 @@
           <a:p>
             <a:fld id="{3FE31C51-9D09-D94B-977A-B3A9E0CE92F4}" type="datetimeFigureOut">
               <a:rPr lang="en-US" smtClean="0"/>
-              <a:t>10/29/2018</a:t>
+              <a:t>10/30/2018</a:t>
             </a:fld>
             <a:endParaRPr lang="en-US"/>
           </a:p>
@@ -1978,7 +1978,7 @@
           <a:p>
             <a:fld id="{3FE31C51-9D09-D94B-977A-B3A9E0CE92F4}" type="datetimeFigureOut">
               <a:rPr lang="en-US" smtClean="0"/>
-              <a:t>10/29/2018</a:t>
+              <a:t>10/30/2018</a:t>
             </a:fld>
             <a:endParaRPr lang="en-US"/>
           </a:p>
@@ -2068,7 +2068,7 @@
           <a:p>
             <a:fld id="{3FE31C51-9D09-D94B-977A-B3A9E0CE92F4}" type="datetimeFigureOut">
               <a:rPr lang="en-US" smtClean="0"/>
-              <a:t>10/29/2018</a:t>
+              <a:t>10/30/2018</a:t>
             </a:fld>
             <a:endParaRPr lang="en-US"/>
           </a:p>
@@ -2356,7 +2356,7 @@
           <a:p>
             <a:fld id="{3FE31C51-9D09-D94B-977A-B3A9E0CE92F4}" type="datetimeFigureOut">
               <a:rPr lang="en-US" smtClean="0"/>
-              <a:t>10/29/2018</a:t>
+              <a:t>10/30/2018</a:t>
             </a:fld>
             <a:endParaRPr lang="en-US"/>
           </a:p>
@@ -2625,7 +2625,7 @@
           <a:p>
             <a:fld id="{3FE31C51-9D09-D94B-977A-B3A9E0CE92F4}" type="datetimeFigureOut">
               <a:rPr lang="en-US" smtClean="0"/>
-              <a:t>10/29/2018</a:t>
+              <a:t>10/30/2018</a:t>
             </a:fld>
             <a:endParaRPr lang="en-US"/>
           </a:p>
@@ -2835,7 +2835,7 @@
           <a:p>
             <a:fld id="{3FE31C51-9D09-D94B-977A-B3A9E0CE92F4}" type="datetimeFigureOut">
               <a:rPr lang="en-US" smtClean="0"/>
-              <a:t>10/29/2018</a:t>
+              <a:t>10/30/2018</a:t>
             </a:fld>
             <a:endParaRPr lang="en-US"/>
           </a:p>
@@ -3358,7 +3358,7 @@
           <p:cNvPr id="2" name="Title 1">
             <a:extLst>
               <a:ext uri="{FF2B5EF4-FFF2-40B4-BE49-F238E27FC236}">
-                <a16:creationId xmlns="" xmlns:a16="http://schemas.microsoft.com/office/drawing/2014/main" id="{C70F2488-3436-C74B-82F5-82C3912B1F15}"/>
+                <a16:creationId xmlns:a16="http://schemas.microsoft.com/office/drawing/2014/main" xmlns="" id="{C70F2488-3436-C74B-82F5-82C3912B1F15}"/>
               </a:ext>
             </a:extLst>
           </p:cNvPr>
@@ -3376,21 +3376,21 @@
           </a:bodyPr>
           <a:lstStyle/>
           <a:p>
+            <a:r>
+              <a:rPr lang="en-US" b="1" smtClean="0">
+                <a:solidFill>
+                  <a:schemeClr val="accent3"/>
+                </a:solidFill>
+              </a:rPr>
+              <a:t>Data </a:t>
+            </a:r>
             <a:r>
               <a:rPr lang="en-US" b="1" dirty="0" smtClean="0">
                 <a:solidFill>
                   <a:schemeClr val="accent3"/>
                 </a:solidFill>
               </a:rPr>
-              <a:t>I360 - Data Science Project </a:t>
-            </a:r>
-            <a:r>
-              <a:rPr lang="en-US" b="1" dirty="0" smtClean="0">
-                <a:solidFill>
-                  <a:schemeClr val="accent3"/>
-                </a:solidFill>
-              </a:rPr>
-              <a:t/>
+              <a:t>Science Project </a:t>
             </a:r>
             <a:br>
               <a:rPr lang="en-US" b="1" dirty="0" smtClean="0">
@@ -3440,7 +3440,7 @@
           <p:cNvPr id="3" name="Subtitle 2">
             <a:extLst>
               <a:ext uri="{FF2B5EF4-FFF2-40B4-BE49-F238E27FC236}">
-                <a16:creationId xmlns="" xmlns:a16="http://schemas.microsoft.com/office/drawing/2014/main" id="{BF3C718C-C609-1742-8B3F-966804812777}"/>
+                <a16:creationId xmlns:a16="http://schemas.microsoft.com/office/drawing/2014/main" xmlns="" id="{BF3C718C-C609-1742-8B3F-966804812777}"/>
               </a:ext>
             </a:extLst>
           </p:cNvPr>
@@ -4214,7 +4214,7 @@
           <p:cNvPr id="2" name="Title 1">
             <a:extLst>
               <a:ext uri="{FF2B5EF4-FFF2-40B4-BE49-F238E27FC236}">
-                <a16:creationId xmlns="" xmlns:a16="http://schemas.microsoft.com/office/drawing/2014/main" id="{4B068ADD-7B76-374C-A04F-026D5B72E708}"/>
+                <a16:creationId xmlns:a16="http://schemas.microsoft.com/office/drawing/2014/main" xmlns="" id="{4B068ADD-7B76-374C-A04F-026D5B72E708}"/>
               </a:ext>
             </a:extLst>
           </p:cNvPr>
@@ -4242,7 +4242,7 @@
           <p:cNvPr id="6" name="Content Placeholder 5">
             <a:extLst>
               <a:ext uri="{FF2B5EF4-FFF2-40B4-BE49-F238E27FC236}">
-                <a16:creationId xmlns="" xmlns:a16="http://schemas.microsoft.com/office/drawing/2014/main" id="{327301F5-E8EE-9842-B378-3045F0289C71}"/>
+                <a16:creationId xmlns:a16="http://schemas.microsoft.com/office/drawing/2014/main" xmlns="" id="{327301F5-E8EE-9842-B378-3045F0289C71}"/>
               </a:ext>
             </a:extLst>
           </p:cNvPr>
